--- a/アイコン作成用.pptx
+++ b/アイコン作成用.pptx
@@ -104,6 +104,22 @@
       </a:defRPr>
     </a:lvl9pPr>
   </p:defaultTextStyle>
+  <p:extLst>
+    <p:ext uri="{EFAFB233-063F-42B5-8137-9DF3F51BA10A}">
+      <p15:sldGuideLst xmlns:p15="http://schemas.microsoft.com/office/powerpoint/2012/main">
+        <p15:guide id="1" orient="horz" pos="2160">
+          <p15:clr>
+            <a:srgbClr val="A4A3A4"/>
+          </p15:clr>
+        </p15:guide>
+        <p15:guide id="2" pos="2880">
+          <p15:clr>
+            <a:srgbClr val="A4A3A4"/>
+          </p15:clr>
+        </p15:guide>
+      </p15:sldGuideLst>
+    </p:ext>
+  </p:extLst>
 </p:presentation>
 </file>
 
@@ -289,7 +305,7 @@
             <a:fld id="{E90ED720-0104-4369-84BC-D37694168613}" type="datetimeFigureOut">
               <a:rPr kumimoji="1" lang="ja-JP" altLang="en-US" smtClean="0"/>
               <a:pPr/>
-              <a:t>2017/9/19</a:t>
+              <a:t>2018/6/25</a:t>
             </a:fld>
             <a:endParaRPr kumimoji="1" lang="ja-JP" altLang="en-US"/>
           </a:p>
@@ -332,7 +348,7 @@
             <a:fld id="{D2D8002D-B5B0-4BAC-B1F6-782DDCCE6D9C}" type="slidenum">
               <a:rPr kumimoji="1" lang="ja-JP" altLang="en-US" smtClean="0"/>
               <a:pPr/>
-              <a:t>&lt;#&gt;</a:t>
+              <a:t>‹#›</a:t>
             </a:fld>
             <a:endParaRPr kumimoji="1" lang="ja-JP" altLang="en-US"/>
           </a:p>
@@ -488,7 +504,7 @@
             <a:fld id="{E90ED720-0104-4369-84BC-D37694168613}" type="datetimeFigureOut">
               <a:rPr kumimoji="1" lang="ja-JP" altLang="en-US" smtClean="0"/>
               <a:pPr/>
-              <a:t>2017/9/19</a:t>
+              <a:t>2018/6/25</a:t>
             </a:fld>
             <a:endParaRPr kumimoji="1" lang="ja-JP" altLang="en-US"/>
           </a:p>
@@ -531,7 +547,7 @@
             <a:fld id="{D2D8002D-B5B0-4BAC-B1F6-782DDCCE6D9C}" type="slidenum">
               <a:rPr kumimoji="1" lang="ja-JP" altLang="en-US" smtClean="0"/>
               <a:pPr/>
-              <a:t>&lt;#&gt;</a:t>
+              <a:t>‹#›</a:t>
             </a:fld>
             <a:endParaRPr kumimoji="1" lang="ja-JP" altLang="en-US"/>
           </a:p>
@@ -697,7 +713,7 @@
             <a:fld id="{E90ED720-0104-4369-84BC-D37694168613}" type="datetimeFigureOut">
               <a:rPr kumimoji="1" lang="ja-JP" altLang="en-US" smtClean="0"/>
               <a:pPr/>
-              <a:t>2017/9/19</a:t>
+              <a:t>2018/6/25</a:t>
             </a:fld>
             <a:endParaRPr kumimoji="1" lang="ja-JP" altLang="en-US"/>
           </a:p>
@@ -740,7 +756,7 @@
             <a:fld id="{D2D8002D-B5B0-4BAC-B1F6-782DDCCE6D9C}" type="slidenum">
               <a:rPr kumimoji="1" lang="ja-JP" altLang="en-US" smtClean="0"/>
               <a:pPr/>
-              <a:t>&lt;#&gt;</a:t>
+              <a:t>‹#›</a:t>
             </a:fld>
             <a:endParaRPr kumimoji="1" lang="ja-JP" altLang="en-US"/>
           </a:p>
@@ -896,7 +912,7 @@
             <a:fld id="{E90ED720-0104-4369-84BC-D37694168613}" type="datetimeFigureOut">
               <a:rPr kumimoji="1" lang="ja-JP" altLang="en-US" smtClean="0"/>
               <a:pPr/>
-              <a:t>2017/9/19</a:t>
+              <a:t>2018/6/25</a:t>
             </a:fld>
             <a:endParaRPr kumimoji="1" lang="ja-JP" altLang="en-US"/>
           </a:p>
@@ -939,7 +955,7 @@
             <a:fld id="{D2D8002D-B5B0-4BAC-B1F6-782DDCCE6D9C}" type="slidenum">
               <a:rPr kumimoji="1" lang="ja-JP" altLang="en-US" smtClean="0"/>
               <a:pPr/>
-              <a:t>&lt;#&gt;</a:t>
+              <a:t>‹#›</a:t>
             </a:fld>
             <a:endParaRPr kumimoji="1" lang="ja-JP" altLang="en-US"/>
           </a:p>
@@ -1139,7 +1155,7 @@
             <a:fld id="{E90ED720-0104-4369-84BC-D37694168613}" type="datetimeFigureOut">
               <a:rPr kumimoji="1" lang="ja-JP" altLang="en-US" smtClean="0"/>
               <a:pPr/>
-              <a:t>2017/9/19</a:t>
+              <a:t>2018/6/25</a:t>
             </a:fld>
             <a:endParaRPr kumimoji="1" lang="ja-JP" altLang="en-US"/>
           </a:p>
@@ -1182,7 +1198,7 @@
             <a:fld id="{D2D8002D-B5B0-4BAC-B1F6-782DDCCE6D9C}" type="slidenum">
               <a:rPr kumimoji="1" lang="ja-JP" altLang="en-US" smtClean="0"/>
               <a:pPr/>
-              <a:t>&lt;#&gt;</a:t>
+              <a:t>‹#›</a:t>
             </a:fld>
             <a:endParaRPr kumimoji="1" lang="ja-JP" altLang="en-US"/>
           </a:p>
@@ -1488,7 +1504,7 @@
             <a:fld id="{E90ED720-0104-4369-84BC-D37694168613}" type="datetimeFigureOut">
               <a:rPr kumimoji="1" lang="ja-JP" altLang="en-US" smtClean="0"/>
               <a:pPr/>
-              <a:t>2017/9/19</a:t>
+              <a:t>2018/6/25</a:t>
             </a:fld>
             <a:endParaRPr kumimoji="1" lang="ja-JP" altLang="en-US"/>
           </a:p>
@@ -1531,7 +1547,7 @@
             <a:fld id="{D2D8002D-B5B0-4BAC-B1F6-782DDCCE6D9C}" type="slidenum">
               <a:rPr kumimoji="1" lang="ja-JP" altLang="en-US" smtClean="0"/>
               <a:pPr/>
-              <a:t>&lt;#&gt;</a:t>
+              <a:t>‹#›</a:t>
             </a:fld>
             <a:endParaRPr kumimoji="1" lang="ja-JP" altLang="en-US"/>
           </a:p>
@@ -1971,7 +1987,7 @@
             <a:fld id="{E90ED720-0104-4369-84BC-D37694168613}" type="datetimeFigureOut">
               <a:rPr kumimoji="1" lang="ja-JP" altLang="en-US" smtClean="0"/>
               <a:pPr/>
-              <a:t>2017/9/19</a:t>
+              <a:t>2018/6/25</a:t>
             </a:fld>
             <a:endParaRPr kumimoji="1" lang="ja-JP" altLang="en-US"/>
           </a:p>
@@ -2014,7 +2030,7 @@
             <a:fld id="{D2D8002D-B5B0-4BAC-B1F6-782DDCCE6D9C}" type="slidenum">
               <a:rPr kumimoji="1" lang="ja-JP" altLang="en-US" smtClean="0"/>
               <a:pPr/>
-              <a:t>&lt;#&gt;</a:t>
+              <a:t>‹#›</a:t>
             </a:fld>
             <a:endParaRPr kumimoji="1" lang="ja-JP" altLang="en-US"/>
           </a:p>
@@ -2086,7 +2102,7 @@
             <a:fld id="{E90ED720-0104-4369-84BC-D37694168613}" type="datetimeFigureOut">
               <a:rPr kumimoji="1" lang="ja-JP" altLang="en-US" smtClean="0"/>
               <a:pPr/>
-              <a:t>2017/9/19</a:t>
+              <a:t>2018/6/25</a:t>
             </a:fld>
             <a:endParaRPr kumimoji="1" lang="ja-JP" altLang="en-US"/>
           </a:p>
@@ -2129,7 +2145,7 @@
             <a:fld id="{D2D8002D-B5B0-4BAC-B1F6-782DDCCE6D9C}" type="slidenum">
               <a:rPr kumimoji="1" lang="ja-JP" altLang="en-US" smtClean="0"/>
               <a:pPr/>
-              <a:t>&lt;#&gt;</a:t>
+              <a:t>‹#›</a:t>
             </a:fld>
             <a:endParaRPr kumimoji="1" lang="ja-JP" altLang="en-US"/>
           </a:p>
@@ -2178,7 +2194,7 @@
             <a:fld id="{E90ED720-0104-4369-84BC-D37694168613}" type="datetimeFigureOut">
               <a:rPr kumimoji="1" lang="ja-JP" altLang="en-US" smtClean="0"/>
               <a:pPr/>
-              <a:t>2017/9/19</a:t>
+              <a:t>2018/6/25</a:t>
             </a:fld>
             <a:endParaRPr kumimoji="1" lang="ja-JP" altLang="en-US"/>
           </a:p>
@@ -2221,7 +2237,7 @@
             <a:fld id="{D2D8002D-B5B0-4BAC-B1F6-782DDCCE6D9C}" type="slidenum">
               <a:rPr kumimoji="1" lang="ja-JP" altLang="en-US" smtClean="0"/>
               <a:pPr/>
-              <a:t>&lt;#&gt;</a:t>
+              <a:t>‹#›</a:t>
             </a:fld>
             <a:endParaRPr kumimoji="1" lang="ja-JP" altLang="en-US"/>
           </a:p>
@@ -2484,7 +2500,7 @@
             <a:fld id="{E90ED720-0104-4369-84BC-D37694168613}" type="datetimeFigureOut">
               <a:rPr kumimoji="1" lang="ja-JP" altLang="en-US" smtClean="0"/>
               <a:pPr/>
-              <a:t>2017/9/19</a:t>
+              <a:t>2018/6/25</a:t>
             </a:fld>
             <a:endParaRPr kumimoji="1" lang="ja-JP" altLang="en-US"/>
           </a:p>
@@ -2527,7 +2543,7 @@
             <a:fld id="{D2D8002D-B5B0-4BAC-B1F6-782DDCCE6D9C}" type="slidenum">
               <a:rPr kumimoji="1" lang="ja-JP" altLang="en-US" smtClean="0"/>
               <a:pPr/>
-              <a:t>&lt;#&gt;</a:t>
+              <a:t>‹#›</a:t>
             </a:fld>
             <a:endParaRPr kumimoji="1" lang="ja-JP" altLang="en-US"/>
           </a:p>
@@ -2734,7 +2750,7 @@
             <a:fld id="{E90ED720-0104-4369-84BC-D37694168613}" type="datetimeFigureOut">
               <a:rPr kumimoji="1" lang="ja-JP" altLang="en-US" smtClean="0"/>
               <a:pPr/>
-              <a:t>2017/9/19</a:t>
+              <a:t>2018/6/25</a:t>
             </a:fld>
             <a:endParaRPr kumimoji="1" lang="ja-JP" altLang="en-US"/>
           </a:p>
@@ -2777,7 +2793,7 @@
             <a:fld id="{D2D8002D-B5B0-4BAC-B1F6-782DDCCE6D9C}" type="slidenum">
               <a:rPr kumimoji="1" lang="ja-JP" altLang="en-US" smtClean="0"/>
               <a:pPr/>
-              <a:t>&lt;#&gt;</a:t>
+              <a:t>‹#›</a:t>
             </a:fld>
             <a:endParaRPr kumimoji="1" lang="ja-JP" altLang="en-US"/>
           </a:p>
@@ -2976,7 +2992,7 @@
             <a:fld id="{E90ED720-0104-4369-84BC-D37694168613}" type="datetimeFigureOut">
               <a:rPr kumimoji="1" lang="ja-JP" altLang="en-US" smtClean="0"/>
               <a:pPr/>
-              <a:t>2017/9/19</a:t>
+              <a:t>2018/6/25</a:t>
             </a:fld>
             <a:endParaRPr kumimoji="1" lang="ja-JP" altLang="en-US"/>
           </a:p>
@@ -3055,7 +3071,7 @@
             <a:fld id="{D2D8002D-B5B0-4BAC-B1F6-782DDCCE6D9C}" type="slidenum">
               <a:rPr kumimoji="1" lang="ja-JP" altLang="en-US" smtClean="0"/>
               <a:pPr/>
-              <a:t>&lt;#&gt;</a:t>
+              <a:t>‹#›</a:t>
             </a:fld>
             <a:endParaRPr kumimoji="1" lang="ja-JP" altLang="en-US"/>
           </a:p>
@@ -3355,13 +3371,15 @@
         </p:nvSpPr>
         <p:spPr>
           <a:xfrm>
-            <a:off x="0" y="2877"/>
-            <a:ext cx="487661" cy="487661"/>
+            <a:off x="2771800" y="2877"/>
+            <a:ext cx="689819" cy="689819"/>
           </a:xfrm>
           <a:prstGeom prst="rect">
             <a:avLst/>
           </a:prstGeom>
-          <a:noFill/>
+          <a:solidFill>
+            <a:schemeClr val="accent3"/>
+          </a:solidFill>
           <a:ln>
             <a:noFill/>
           </a:ln>
@@ -3391,26 +3409,200 @@
           </a:p>
         </p:txBody>
       </p:sp>
-      <p:graphicFrame>
-        <p:nvGraphicFramePr>
-          <p:cNvPr id="10" name="Object 2"/>
-          <p:cNvGraphicFramePr>
-            <a:graphicFrameLocks noChangeAspect="1"/>
-          </p:cNvGraphicFramePr>
+      <p:sp>
+        <p:nvSpPr>
+          <p:cNvPr id="2" name="テキスト ボックス 1"/>
+          <p:cNvSpPr txBox="1"/>
           <p:nvPr/>
-        </p:nvGraphicFramePr>
-        <p:xfrm>
-          <a:off x="35719" y="20634"/>
-          <a:ext cx="412750" cy="455613"/>
-        </p:xfrm>
-        <a:graphic>
-          <a:graphicData uri="http://schemas.openxmlformats.org/presentationml/2006/ole">
-            <p:oleObj spid="_x0000_s1027" name="文書" r:id="rId3" imgW="416225" imgH="609343" progId="Word.Document.12">
-              <p:embed/>
-            </p:oleObj>
-          </a:graphicData>
-        </a:graphic>
-      </p:graphicFrame>
+        </p:nvSpPr>
+        <p:spPr>
+          <a:xfrm>
+            <a:off x="2771800" y="-160046"/>
+            <a:ext cx="697627" cy="1015663"/>
+          </a:xfrm>
+          <a:prstGeom prst="rect">
+            <a:avLst/>
+          </a:prstGeom>
+          <a:noFill/>
+        </p:spPr>
+        <p:txBody>
+          <a:bodyPr wrap="none" rtlCol="0">
+            <a:spAutoFit/>
+          </a:bodyPr>
+          <a:lstStyle/>
+          <a:p>
+            <a:r>
+              <a:rPr lang="en-US" altLang="ja-JP" sz="6000" b="1" dirty="0">
+                <a:ln w="10160">
+                  <a:solidFill>
+                    <a:schemeClr val="accent5"/>
+                  </a:solidFill>
+                  <a:prstDash val="solid"/>
+                </a:ln>
+                <a:solidFill>
+                  <a:srgbClr val="FFFFFF"/>
+                </a:solidFill>
+                <a:effectLst>
+                  <a:outerShdw blurRad="38100" dist="22860" dir="5400000" algn="tl" rotWithShape="0">
+                    <a:srgbClr val="000000">
+                      <a:alpha val="30000"/>
+                    </a:srgbClr>
+                  </a:outerShdw>
+                </a:effectLst>
+                <a:latin typeface="Arial Unicode MS" panose="020B0604020202020204" pitchFamily="50" charset="-128"/>
+                <a:ea typeface="Arial Unicode MS" panose="020B0604020202020204" pitchFamily="50" charset="-128"/>
+                <a:cs typeface="Arial Unicode MS" panose="020B0604020202020204" pitchFamily="50" charset="-128"/>
+              </a:rPr>
+              <a:t>A</a:t>
+            </a:r>
+            <a:endParaRPr kumimoji="1" lang="ja-JP" altLang="en-US" sz="6000" b="1" dirty="0">
+              <a:ln w="10160">
+                <a:solidFill>
+                  <a:schemeClr val="accent5"/>
+                </a:solidFill>
+                <a:prstDash val="solid"/>
+              </a:ln>
+              <a:solidFill>
+                <a:srgbClr val="FFFFFF"/>
+              </a:solidFill>
+              <a:effectLst>
+                <a:outerShdw blurRad="38100" dist="22860" dir="5400000" algn="tl" rotWithShape="0">
+                  <a:srgbClr val="000000">
+                    <a:alpha val="30000"/>
+                  </a:srgbClr>
+                </a:outerShdw>
+              </a:effectLst>
+              <a:latin typeface="Arial Unicode MS" panose="020B0604020202020204" pitchFamily="50" charset="-128"/>
+              <a:ea typeface="Arial Unicode MS" panose="020B0604020202020204" pitchFamily="50" charset="-128"/>
+              <a:cs typeface="Arial Unicode MS" panose="020B0604020202020204" pitchFamily="50" charset="-128"/>
+            </a:endParaRPr>
+          </a:p>
+        </p:txBody>
+      </p:sp>
+      <p:sp>
+        <p:nvSpPr>
+          <p:cNvPr id="7" name="フリーフォーム 6"/>
+          <p:cNvSpPr/>
+          <p:nvPr/>
+        </p:nvSpPr>
+        <p:spPr>
+          <a:xfrm>
+            <a:off x="0" y="2877"/>
+            <a:ext cx="689819" cy="689819"/>
+          </a:xfrm>
+          <a:custGeom>
+            <a:avLst/>
+            <a:gdLst/>
+            <a:ahLst/>
+            <a:cxnLst/>
+            <a:rect l="l" t="t" r="r" b="b"/>
+            <a:pathLst>
+              <a:path w="689819" h="689819">
+                <a:moveTo>
+                  <a:pt x="340976" y="157487"/>
+                </a:moveTo>
+                <a:lnTo>
+                  <a:pt x="344143" y="168830"/>
+                </a:lnTo>
+                <a:cubicBezTo>
+                  <a:pt x="347009" y="178265"/>
+                  <a:pt x="349800" y="186603"/>
+                  <a:pt x="352517" y="193844"/>
+                </a:cubicBezTo>
+                <a:cubicBezTo>
+                  <a:pt x="357951" y="208325"/>
+                  <a:pt x="382556" y="271197"/>
+                  <a:pt x="426332" y="382457"/>
+                </a:cubicBezTo>
+                <a:lnTo>
+                  <a:pt x="259912" y="382457"/>
+                </a:lnTo>
+                <a:lnTo>
+                  <a:pt x="319130" y="232426"/>
+                </a:lnTo>
+                <a:cubicBezTo>
+                  <a:pt x="324928" y="216882"/>
+                  <a:pt x="330042" y="201178"/>
+                  <a:pt x="334472" y="185312"/>
+                </a:cubicBezTo>
+                <a:close/>
+                <a:moveTo>
+                  <a:pt x="298439" y="66535"/>
+                </a:moveTo>
+                <a:lnTo>
+                  <a:pt x="90713" y="616222"/>
+                </a:lnTo>
+                <a:lnTo>
+                  <a:pt x="178487" y="616222"/>
+                </a:lnTo>
+                <a:lnTo>
+                  <a:pt x="237588" y="453517"/>
+                </a:lnTo>
+                <a:lnTo>
+                  <a:pt x="450116" y="453517"/>
+                </a:lnTo>
+                <a:lnTo>
+                  <a:pt x="512862" y="616222"/>
+                </a:lnTo>
+                <a:lnTo>
+                  <a:pt x="605746" y="616222"/>
+                </a:lnTo>
+                <a:lnTo>
+                  <a:pt x="385091" y="66535"/>
+                </a:lnTo>
+                <a:close/>
+                <a:moveTo>
+                  <a:pt x="0" y="0"/>
+                </a:moveTo>
+                <a:lnTo>
+                  <a:pt x="689819" y="0"/>
+                </a:lnTo>
+                <a:lnTo>
+                  <a:pt x="689819" y="689819"/>
+                </a:lnTo>
+                <a:lnTo>
+                  <a:pt x="0" y="689819"/>
+                </a:lnTo>
+                <a:close/>
+              </a:path>
+            </a:pathLst>
+          </a:custGeom>
+          <a:solidFill>
+            <a:schemeClr val="accent3"/>
+          </a:solidFill>
+          <a:ln w="28575">
+            <a:solidFill>
+              <a:schemeClr val="bg1"/>
+            </a:solidFill>
+          </a:ln>
+        </p:spPr>
+        <p:style>
+          <a:lnRef idx="2">
+            <a:schemeClr val="accent1">
+              <a:shade val="50000"/>
+            </a:schemeClr>
+          </a:lnRef>
+          <a:fillRef idx="1">
+            <a:schemeClr val="accent1"/>
+          </a:fillRef>
+          <a:effectRef idx="0">
+            <a:schemeClr val="accent1"/>
+          </a:effectRef>
+          <a:fontRef idx="minor">
+            <a:schemeClr val="lt1"/>
+          </a:fontRef>
+        </p:style>
+        <p:txBody>
+          <a:bodyPr wrap="square" rtlCol="0" anchor="ctr">
+            <a:noAutofit/>
+          </a:bodyPr>
+          <a:lstStyle/>
+          <a:p>
+            <a:pPr algn="ctr"/>
+            <a:endParaRPr kumimoji="1" lang="ja-JP" altLang="en-US"/>
+          </a:p>
+        </p:txBody>
+      </p:sp>
     </p:spTree>
   </p:cSld>
   <p:clrMapOvr>
